--- a/Emily/Figures presentation.pptx
+++ b/Emily/Figures presentation.pptx
@@ -109,6 +109,11 @@
       </a:defRPr>
     </a:lvl9pPr>
   </p:defaultTextStyle>
+  <p:extLst>
+    <p:ext uri="{EFAFB233-063F-42B5-8137-9DF3F51BA10A}">
+      <p15:sldGuideLst xmlns:p15="http://schemas.microsoft.com/office/powerpoint/2012/main"/>
+    </p:ext>
+  </p:extLst>
 </p:presentation>
 </file>
 
@@ -117,7 +122,7 @@
   <pc:docChgLst>
     <pc:chgData name="Emily Mullins" userId="abcc85e63490ab10" providerId="LiveId" clId="{39E832E3-9F3F-4C15-B4D3-00F895E69980}"/>
     <pc:docChg chg="undo custSel modSld">
-      <pc:chgData name="Emily Mullins" userId="abcc85e63490ab10" providerId="LiveId" clId="{39E832E3-9F3F-4C15-B4D3-00F895E69980}" dt="2019-10-01T15:14:47.177" v="2319" actId="1076"/>
+      <pc:chgData name="Emily Mullins" userId="abcc85e63490ab10" providerId="LiveId" clId="{39E832E3-9F3F-4C15-B4D3-00F895E69980}" dt="2019-10-03T20:04:32.104" v="2322" actId="1035"/>
       <pc:docMkLst>
         <pc:docMk/>
       </pc:docMkLst>
@@ -137,7 +142,7 @@
         </pc:spChg>
       </pc:sldChg>
       <pc:sldChg chg="addSp delSp modSp">
-        <pc:chgData name="Emily Mullins" userId="abcc85e63490ab10" providerId="LiveId" clId="{39E832E3-9F3F-4C15-B4D3-00F895E69980}" dt="2019-10-01T14:44:36.299" v="1026" actId="1076"/>
+        <pc:chgData name="Emily Mullins" userId="abcc85e63490ab10" providerId="LiveId" clId="{39E832E3-9F3F-4C15-B4D3-00F895E69980}" dt="2019-10-03T20:04:32.104" v="2322" actId="1035"/>
         <pc:sldMkLst>
           <pc:docMk/>
           <pc:sldMk cId="3751535688" sldId="257"/>
@@ -150,6 +155,14 @@
             <ac:spMk id="15" creationId="{D5A34710-5DB0-4678-AF2F-5179449B4034}"/>
           </ac:spMkLst>
         </pc:spChg>
+        <pc:picChg chg="mod">
+          <ac:chgData name="Emily Mullins" userId="abcc85e63490ab10" providerId="LiveId" clId="{39E832E3-9F3F-4C15-B4D3-00F895E69980}" dt="2019-10-03T20:04:32.104" v="2322" actId="1035"/>
+          <ac:picMkLst>
+            <pc:docMk/>
+            <pc:sldMk cId="3751535688" sldId="257"/>
+            <ac:picMk id="11" creationId="{2717ED32-669A-4A60-ADF3-B1D1C84FFBC7}"/>
+          </ac:picMkLst>
+        </pc:picChg>
         <pc:picChg chg="del">
           <ac:chgData name="Emily Mullins" userId="abcc85e63490ab10" providerId="LiveId" clId="{39E832E3-9F3F-4C15-B4D3-00F895E69980}" dt="2019-10-01T14:30:54.751" v="368" actId="478"/>
           <ac:picMkLst>
@@ -546,7 +559,7 @@
           <a:p>
             <a:fld id="{88D38747-4367-4BD2-8D51-C97E202738E2}" type="datetime1">
               <a:rPr lang="en-US" smtClean="0"/>
-              <a:t>10/1/2019</a:t>
+              <a:t>10/3/2019</a:t>
             </a:fld>
             <a:endParaRPr lang="en-US" dirty="0"/>
           </a:p>
@@ -851,7 +864,7 @@
           <a:p>
             <a:fld id="{11F1B079-7EF0-44EE-B798-BCC497C9F3B2}" type="datetime1">
               <a:rPr lang="en-US" smtClean="0"/>
-              <a:t>10/1/2019</a:t>
+              <a:t>10/3/2019</a:t>
             </a:fld>
             <a:endParaRPr lang="en-US" dirty="0"/>
           </a:p>
@@ -1045,7 +1058,7 @@
           <a:p>
             <a:fld id="{28FF70A8-1D13-4657-95F0-A9EA54967B8D}" type="datetime1">
               <a:rPr lang="en-US" smtClean="0"/>
-              <a:t>10/1/2019</a:t>
+              <a:t>10/3/2019</a:t>
             </a:fld>
             <a:endParaRPr lang="en-US" dirty="0"/>
           </a:p>
@@ -1308,7 +1321,7 @@
           <a:p>
             <a:fld id="{21EB90AC-71BD-4C7F-8ACA-7B3F18292E63}" type="datetime1">
               <a:rPr lang="en-US" smtClean="0"/>
-              <a:t>10/1/2019</a:t>
+              <a:t>10/3/2019</a:t>
             </a:fld>
             <a:endParaRPr lang="en-US" dirty="0"/>
           </a:p>
@@ -1744,7 +1757,7 @@
           <a:p>
             <a:fld id="{4E6EFC2C-8905-46F0-B443-CE905B76BA01}" type="datetime1">
               <a:rPr lang="en-US" smtClean="0"/>
-              <a:t>10/1/2019</a:t>
+              <a:t>10/3/2019</a:t>
             </a:fld>
             <a:endParaRPr lang="en-US" dirty="0"/>
           </a:p>
@@ -2281,7 +2294,7 @@
           <a:p>
             <a:fld id="{D9079DC3-C9B5-499E-9140-0DC28B7074E2}" type="datetime1">
               <a:rPr lang="en-US" smtClean="0"/>
-              <a:t>10/1/2019</a:t>
+              <a:t>10/3/2019</a:t>
             </a:fld>
             <a:endParaRPr lang="en-US" dirty="0"/>
           </a:p>
@@ -3163,7 +3176,7 @@
           <a:p>
             <a:fld id="{30BB33EA-E472-4D22-9C03-A9C14AA21CED}" type="datetime1">
               <a:rPr lang="en-US" smtClean="0"/>
-              <a:t>10/1/2019</a:t>
+              <a:t>10/3/2019</a:t>
             </a:fld>
             <a:endParaRPr lang="en-US" dirty="0"/>
           </a:p>
@@ -3333,7 +3346,7 @@
           <a:p>
             <a:fld id="{217E833E-1B6D-415F-AD29-75AE8C43BD0D}" type="datetime1">
               <a:rPr lang="en-US" smtClean="0"/>
-              <a:t>10/1/2019</a:t>
+              <a:t>10/3/2019</a:t>
             </a:fld>
             <a:endParaRPr lang="en-US" dirty="0"/>
           </a:p>
@@ -3517,7 +3530,7 @@
           <a:p>
             <a:fld id="{8452596F-08A7-4B70-989A-F2B1CF31E66B}" type="datetime1">
               <a:rPr lang="en-US" smtClean="0"/>
-              <a:t>10/1/2019</a:t>
+              <a:t>10/3/2019</a:t>
             </a:fld>
             <a:endParaRPr lang="en-US" dirty="0"/>
           </a:p>
@@ -3687,7 +3700,7 @@
           <a:p>
             <a:fld id="{73C55A3C-5767-4844-A0A3-83778C2E5409}" type="datetime1">
               <a:rPr lang="en-US" smtClean="0"/>
-              <a:t>10/1/2019</a:t>
+              <a:t>10/3/2019</a:t>
             </a:fld>
             <a:endParaRPr lang="en-US" dirty="0"/>
           </a:p>
@@ -3931,7 +3944,7 @@
           <a:p>
             <a:fld id="{CAE507A8-A5CF-4D38-AB86-7EDDA87A85D4}" type="datetime1">
               <a:rPr lang="en-US" smtClean="0"/>
-              <a:t>10/1/2019</a:t>
+              <a:t>10/3/2019</a:t>
             </a:fld>
             <a:endParaRPr lang="en-US" dirty="0"/>
           </a:p>
@@ -4173,7 +4186,7 @@
           <a:p>
             <a:fld id="{BDFCD27C-8599-43EF-BA1D-14DDC1946E06}" type="datetime1">
               <a:rPr lang="en-US" smtClean="0"/>
-              <a:t>10/1/2019</a:t>
+              <a:t>10/3/2019</a:t>
             </a:fld>
             <a:endParaRPr lang="en-US" dirty="0"/>
           </a:p>
@@ -4654,7 +4667,7 @@
           <a:p>
             <a:fld id="{49343D99-809A-49C0-96E5-4250D0B498EE}" type="datetime1">
               <a:rPr lang="en-US" smtClean="0"/>
-              <a:t>10/1/2019</a:t>
+              <a:t>10/3/2019</a:t>
             </a:fld>
             <a:endParaRPr lang="en-US" dirty="0"/>
           </a:p>
@@ -4772,7 +4785,7 @@
           <a:p>
             <a:fld id="{A143DE9B-B678-4EFB-BB7D-A4370204A0B0}" type="datetime1">
               <a:rPr lang="en-US" smtClean="0"/>
-              <a:t>10/1/2019</a:t>
+              <a:t>10/3/2019</a:t>
             </a:fld>
             <a:endParaRPr lang="en-US" dirty="0"/>
           </a:p>
@@ -4867,7 +4880,7 @@
           <a:p>
             <a:fld id="{E68812DA-F765-4142-A6A3-A8ED7235E082}" type="datetime1">
               <a:rPr lang="en-US" smtClean="0"/>
-              <a:t>10/1/2019</a:t>
+              <a:t>10/3/2019</a:t>
             </a:fld>
             <a:endParaRPr lang="en-US" dirty="0"/>
           </a:p>
@@ -5122,7 +5135,7 @@
           <a:p>
             <a:fld id="{3E0277FD-7DE6-41D4-930D-AC99F5AFE54E}" type="datetime1">
               <a:rPr lang="en-US" smtClean="0"/>
-              <a:t>10/1/2019</a:t>
+              <a:t>10/3/2019</a:t>
             </a:fld>
             <a:endParaRPr lang="en-US" dirty="0"/>
           </a:p>
@@ -5429,7 +5442,7 @@
           <a:p>
             <a:fld id="{9EA15526-7079-4B7B-987C-1B5FAE11A0FF}" type="datetime1">
               <a:rPr lang="en-US" smtClean="0"/>
-              <a:t>10/1/2019</a:t>
+              <a:t>10/3/2019</a:t>
             </a:fld>
             <a:endParaRPr lang="en-US" dirty="0"/>
           </a:p>
@@ -5664,7 +5677,7 @@
           <a:p>
             <a:fld id="{073ED0CC-082F-4160-86E5-0D6041F12778}" type="datetime1">
               <a:rPr lang="en-US" smtClean="0"/>
-              <a:t>10/1/2019</a:t>
+              <a:t>10/3/2019</a:t>
             </a:fld>
             <a:endParaRPr lang="en-US" dirty="0"/>
           </a:p>
@@ -6631,7 +6644,7 @@
         </p:blipFill>
         <p:spPr>
           <a:xfrm>
-            <a:off x="606597" y="2094236"/>
+            <a:off x="612348" y="2094236"/>
             <a:ext cx="5242912" cy="3932183"/>
           </a:xfrm>
           <a:prstGeom prst="rect">
